--- a/ppt模版.pptx
+++ b/ppt模版.pptx
@@ -6,7 +6,8 @@
     <p:sldMasterId id="2147483660" r:id="rId2"/>
   </p:sldMasterIdLst>
   <p:sldIdLst>
-    <p:sldId id="256" r:id="rId3"/>
+    <p:sldId id="257" r:id="rId3"/>
+    <p:sldId id="256" r:id="rId4"/>
   </p:sldIdLst>
   <p:sldSz cx="12192000" cy="6858000"/>
   <p:notesSz cx="6858000" cy="9144000"/>
@@ -105,7 +106,16 @@
       </a:defRPr>
     </a:lvl9pPr>
   </p:defaultTextStyle>
+  <p:extLst>
+    <p:ext uri="{EFAFB233-063F-42B5-8137-9DF3F51BA10A}">
+      <p15:sldGuideLst xmlns:p15="http://schemas.microsoft.com/office/powerpoint/2012/main"/>
+    </p:ext>
+  </p:extLst>
 </p:presentation>
+</file>
+
+<file path=ppt/revisionInfo.xml><?xml version="1.0" encoding="utf-8"?>
+<p1510:revInfo xmlns:a="http://schemas.openxmlformats.org/drawingml/2006/main" xmlns:r="http://schemas.openxmlformats.org/officeDocument/2006/relationships" xmlns:p1510="http://schemas.microsoft.com/office/powerpoint/2015/10/main"/>
 </file>
 
 <file path=ppt/slideLayouts/slideLayout1.xml><?xml version="1.0" encoding="utf-8"?>
@@ -6548,6 +6558,129 @@
 </file>
 
 <file path=ppt/slides/slide1.xml><?xml version="1.0" encoding="utf-8"?>
+<p:sld xmlns:a="http://schemas.openxmlformats.org/drawingml/2006/main" xmlns:r="http://schemas.openxmlformats.org/officeDocument/2006/relationships" xmlns:p="http://schemas.openxmlformats.org/presentationml/2006/main">
+  <p:cSld>
+    <p:spTree>
+      <p:nvGrpSpPr>
+        <p:cNvPr id="1" name=""/>
+        <p:cNvGrpSpPr/>
+        <p:nvPr/>
+      </p:nvGrpSpPr>
+      <p:grpSpPr>
+        <a:xfrm>
+          <a:off x="0" y="0"/>
+          <a:ext cx="0" cy="0"/>
+          <a:chOff x="0" y="0"/>
+          <a:chExt cx="0" cy="0"/>
+        </a:xfrm>
+      </p:grpSpPr>
+      <p:sp>
+        <p:nvSpPr>
+          <p:cNvPr id="2" name="标题 1">
+            <a:extLst>
+              <a:ext uri="{FF2B5EF4-FFF2-40B4-BE49-F238E27FC236}">
+                <a16:creationId xmlns:a16="http://schemas.microsoft.com/office/drawing/2014/main" id="{10E2315F-28CB-4783-A9F7-7599336C4B28}"/>
+              </a:ext>
+            </a:extLst>
+          </p:cNvPr>
+          <p:cNvSpPr>
+            <a:spLocks noGrp="1"/>
+          </p:cNvSpPr>
+          <p:nvPr>
+            <p:ph type="ctrTitle"/>
+          </p:nvPr>
+        </p:nvSpPr>
+        <p:spPr/>
+        <p:txBody>
+          <a:bodyPr/>
+          <a:lstStyle/>
+          <a:p>
+            <a:r>
+              <a:rPr lang="en-US" altLang="zh-CN" dirty="0" err="1">
+                <a:latin typeface="黑体" panose="02010609060101010101" pitchFamily="49" charset="-122"/>
+                <a:ea typeface="黑体" panose="02010609060101010101" pitchFamily="49" charset="-122"/>
+              </a:rPr>
+              <a:t>WebRtc</a:t>
+            </a:r>
+            <a:r>
+              <a:rPr lang="zh-CN" altLang="en-US" dirty="0">
+                <a:latin typeface="黑体" panose="02010609060101010101" pitchFamily="49" charset="-122"/>
+                <a:ea typeface="黑体" panose="02010609060101010101" pitchFamily="49" charset="-122"/>
+              </a:rPr>
+              <a:t>之回声消除算法（</a:t>
+            </a:r>
+            <a:r>
+              <a:rPr lang="en-US" altLang="zh-CN" dirty="0">
+                <a:latin typeface="黑体" panose="02010609060101010101" pitchFamily="49" charset="-122"/>
+                <a:ea typeface="黑体" panose="02010609060101010101" pitchFamily="49" charset="-122"/>
+              </a:rPr>
+              <a:t>AEC</a:t>
+            </a:r>
+            <a:r>
+              <a:rPr lang="zh-CN" altLang="en-US" dirty="0">
+                <a:latin typeface="黑体" panose="02010609060101010101" pitchFamily="49" charset="-122"/>
+                <a:ea typeface="黑体" panose="02010609060101010101" pitchFamily="49" charset="-122"/>
+              </a:rPr>
+              <a:t>）</a:t>
+            </a:r>
+          </a:p>
+        </p:txBody>
+      </p:sp>
+      <p:sp>
+        <p:nvSpPr>
+          <p:cNvPr id="3" name="副标题 2">
+            <a:extLst>
+              <a:ext uri="{FF2B5EF4-FFF2-40B4-BE49-F238E27FC236}">
+                <a16:creationId xmlns:a16="http://schemas.microsoft.com/office/drawing/2014/main" id="{1F73C9A5-E6F4-487B-AC8E-D99F4DD53E54}"/>
+              </a:ext>
+            </a:extLst>
+          </p:cNvPr>
+          <p:cNvSpPr>
+            <a:spLocks noGrp="1"/>
+          </p:cNvSpPr>
+          <p:nvPr>
+            <p:ph type="subTitle" idx="1"/>
+          </p:nvPr>
+        </p:nvSpPr>
+        <p:spPr>
+          <a:xfrm>
+            <a:off x="1524000" y="3957638"/>
+            <a:ext cx="9144000" cy="1655762"/>
+          </a:xfrm>
+        </p:spPr>
+        <p:txBody>
+          <a:bodyPr/>
+          <a:lstStyle/>
+          <a:p>
+            <a:r>
+              <a:rPr lang="zh-CN" altLang="en-US" dirty="0"/>
+              <a:t>视讯组</a:t>
+            </a:r>
+            <a:r>
+              <a:rPr lang="en-US" altLang="zh-CN" dirty="0"/>
+              <a:t>-</a:t>
+            </a:r>
+            <a:r>
+              <a:rPr lang="zh-CN" altLang="en-US" dirty="0"/>
+              <a:t>杨杰</a:t>
+            </a:r>
+          </a:p>
+        </p:txBody>
+      </p:sp>
+    </p:spTree>
+    <p:extLst>
+      <p:ext uri="{BB962C8B-B14F-4D97-AF65-F5344CB8AC3E}">
+        <p14:creationId xmlns:p14="http://schemas.microsoft.com/office/powerpoint/2010/main" val="3806158932"/>
+      </p:ext>
+    </p:extLst>
+  </p:cSld>
+  <p:clrMapOvr>
+    <a:masterClrMapping/>
+  </p:clrMapOvr>
+</p:sld>
+</file>
+
+<file path=ppt/slides/slide2.xml><?xml version="1.0" encoding="utf-8"?>
 <p:sld xmlns:a="http://schemas.openxmlformats.org/drawingml/2006/main" xmlns:r="http://schemas.openxmlformats.org/officeDocument/2006/relationships" xmlns:p="http://schemas.openxmlformats.org/presentationml/2006/main">
   <p:cSld>
     <p:spTree>
